--- a/Day 3/Slides/3. Using Elastic Load Balancers and EC2 Auto Scaling to Support AWS Workloads/elastic-load-balancing-and-ec2-autoscaling-to-support-aws-workloads-slides.pptx
+++ b/Day 3/Slides/3. Using Elastic Load Balancers and EC2 Auto Scaling to Support AWS Workloads/elastic-load-balancing-and-ec2-autoscaling-to-support-aws-workloads-slides.pptx
@@ -4166,7 +4166,7 @@
         </p:blipFill>
         <p:spPr>
           <a:xfrm>
-            <a:off x="838200" y="-264160"/>
+            <a:off x="680720" y="93980"/>
             <a:ext cx="10515600" cy="6441440"/>
           </a:xfrm>
           <a:prstGeom prst="rect">
